--- a/Trabalho AED2.pptx
+++ b/Trabalho AED2.pptx
@@ -818,7 +818,7 @@
   <p:cSld>
     <p:spTree>
       <p:nvGrpSpPr>
-        <p:cNvPr id="192" name="Shape 192"/>
+        <p:cNvPr id="193" name="Shape 193"/>
         <p:cNvGrpSpPr/>
         <p:nvPr/>
       </p:nvGrpSpPr>
@@ -832,7 +832,7 @@
       </p:grpSpPr>
       <p:sp>
         <p:nvSpPr>
-          <p:cNvPr id="193" name="Google Shape;193;g1e3195089c4_5_16:notes"/>
+          <p:cNvPr id="194" name="Google Shape;194;g1e3195089c4_5_16:notes"/>
           <p:cNvSpPr/>
           <p:nvPr>
             <p:ph idx="2" type="sldImg"/>
@@ -867,7 +867,7 @@
       </p:sp>
       <p:sp>
         <p:nvSpPr>
-          <p:cNvPr id="194" name="Google Shape;194;g1e3195089c4_5_16:notes"/>
+          <p:cNvPr id="195" name="Google Shape;195;g1e3195089c4_5_16:notes"/>
           <p:cNvSpPr txBox="1"/>
           <p:nvPr>
             <p:ph idx="1" type="body"/>
@@ -917,7 +917,7 @@
   <p:cSld>
     <p:spTree>
       <p:nvGrpSpPr>
-        <p:cNvPr id="200" name="Shape 200"/>
+        <p:cNvPr id="201" name="Shape 201"/>
         <p:cNvGrpSpPr/>
         <p:nvPr/>
       </p:nvGrpSpPr>
@@ -931,7 +931,7 @@
       </p:grpSpPr>
       <p:sp>
         <p:nvSpPr>
-          <p:cNvPr id="201" name="Google Shape;201;g1e3195089c4_5_30:notes"/>
+          <p:cNvPr id="202" name="Google Shape;202;g1e3195089c4_5_30:notes"/>
           <p:cNvSpPr/>
           <p:nvPr>
             <p:ph idx="2" type="sldImg"/>
@@ -966,7 +966,7 @@
       </p:sp>
       <p:sp>
         <p:nvSpPr>
-          <p:cNvPr id="202" name="Google Shape;202;g1e3195089c4_5_30:notes"/>
+          <p:cNvPr id="203" name="Google Shape;203;g1e3195089c4_5_30:notes"/>
           <p:cNvSpPr txBox="1"/>
           <p:nvPr>
             <p:ph idx="1" type="body"/>
@@ -1016,7 +1016,7 @@
   <p:cSld>
     <p:spTree>
       <p:nvGrpSpPr>
-        <p:cNvPr id="206" name="Shape 206"/>
+        <p:cNvPr id="207" name="Shape 207"/>
         <p:cNvGrpSpPr/>
         <p:nvPr/>
       </p:nvGrpSpPr>
@@ -1030,7 +1030,7 @@
       </p:grpSpPr>
       <p:sp>
         <p:nvSpPr>
-          <p:cNvPr id="207" name="Google Shape;207;g1e3195089c4_5_37:notes"/>
+          <p:cNvPr id="208" name="Google Shape;208;g1e3195089c4_5_37:notes"/>
           <p:cNvSpPr/>
           <p:nvPr>
             <p:ph idx="2" type="sldImg"/>
@@ -1065,7 +1065,7 @@
       </p:sp>
       <p:sp>
         <p:nvSpPr>
-          <p:cNvPr id="208" name="Google Shape;208;g1e3195089c4_5_37:notes"/>
+          <p:cNvPr id="209" name="Google Shape;209;g1e3195089c4_5_37:notes"/>
           <p:cNvSpPr txBox="1"/>
           <p:nvPr>
             <p:ph idx="1" type="body"/>
@@ -1115,7 +1115,7 @@
   <p:cSld>
     <p:spTree>
       <p:nvGrpSpPr>
-        <p:cNvPr id="213" name="Shape 213"/>
+        <p:cNvPr id="214" name="Shape 214"/>
         <p:cNvGrpSpPr/>
         <p:nvPr/>
       </p:nvGrpSpPr>
@@ -1129,7 +1129,7 @@
       </p:grpSpPr>
       <p:sp>
         <p:nvSpPr>
-          <p:cNvPr id="214" name="Google Shape;214;g1e3195089c4_0_31:notes"/>
+          <p:cNvPr id="215" name="Google Shape;215;g1e3195089c4_0_31:notes"/>
           <p:cNvSpPr/>
           <p:nvPr>
             <p:ph idx="2" type="sldImg"/>
@@ -1164,7 +1164,7 @@
       </p:sp>
       <p:sp>
         <p:nvSpPr>
-          <p:cNvPr id="215" name="Google Shape;215;g1e3195089c4_0_31:notes"/>
+          <p:cNvPr id="216" name="Google Shape;216;g1e3195089c4_0_31:notes"/>
           <p:cNvSpPr txBox="1"/>
           <p:nvPr>
             <p:ph idx="1" type="body"/>
@@ -1511,7 +1511,7 @@
   <p:cSld>
     <p:spTree>
       <p:nvGrpSpPr>
-        <p:cNvPr id="159" name="Shape 159"/>
+        <p:cNvPr id="160" name="Shape 160"/>
         <p:cNvGrpSpPr/>
         <p:nvPr/>
       </p:nvGrpSpPr>
@@ -1525,7 +1525,7 @@
       </p:grpSpPr>
       <p:sp>
         <p:nvSpPr>
-          <p:cNvPr id="160" name="Google Shape;160;g1e3061f597d_0_135:notes"/>
+          <p:cNvPr id="161" name="Google Shape;161;g1e3061f597d_0_135:notes"/>
           <p:cNvSpPr/>
           <p:nvPr>
             <p:ph idx="2" type="sldImg"/>
@@ -1560,7 +1560,7 @@
       </p:sp>
       <p:sp>
         <p:nvSpPr>
-          <p:cNvPr id="161" name="Google Shape;161;g1e3061f597d_0_135:notes"/>
+          <p:cNvPr id="162" name="Google Shape;162;g1e3061f597d_0_135:notes"/>
           <p:cNvSpPr txBox="1"/>
           <p:nvPr>
             <p:ph idx="1" type="body"/>
@@ -1610,7 +1610,7 @@
   <p:cSld>
     <p:spTree>
       <p:nvGrpSpPr>
-        <p:cNvPr id="165" name="Shape 165"/>
+        <p:cNvPr id="166" name="Shape 166"/>
         <p:cNvGrpSpPr/>
         <p:nvPr/>
       </p:nvGrpSpPr>
@@ -1624,7 +1624,7 @@
       </p:grpSpPr>
       <p:sp>
         <p:nvSpPr>
-          <p:cNvPr id="166" name="Google Shape;166;g1e3195089c4_0_14:notes"/>
+          <p:cNvPr id="167" name="Google Shape;167;g1e3195089c4_0_14:notes"/>
           <p:cNvSpPr/>
           <p:nvPr>
             <p:ph idx="2" type="sldImg"/>
@@ -1659,7 +1659,7 @@
       </p:sp>
       <p:sp>
         <p:nvSpPr>
-          <p:cNvPr id="167" name="Google Shape;167;g1e3195089c4_0_14:notes"/>
+          <p:cNvPr id="168" name="Google Shape;168;g1e3195089c4_0_14:notes"/>
           <p:cNvSpPr txBox="1"/>
           <p:nvPr>
             <p:ph idx="1" type="body"/>
@@ -1709,7 +1709,7 @@
   <p:cSld>
     <p:spTree>
       <p:nvGrpSpPr>
-        <p:cNvPr id="172" name="Shape 172"/>
+        <p:cNvPr id="173" name="Shape 173"/>
         <p:cNvGrpSpPr/>
         <p:nvPr/>
       </p:nvGrpSpPr>
@@ -1723,7 +1723,7 @@
       </p:grpSpPr>
       <p:sp>
         <p:nvSpPr>
-          <p:cNvPr id="173" name="Google Shape;173;g1e3195089c4_0_22:notes"/>
+          <p:cNvPr id="174" name="Google Shape;174;g1e3195089c4_0_22:notes"/>
           <p:cNvSpPr/>
           <p:nvPr>
             <p:ph idx="2" type="sldImg"/>
@@ -1758,7 +1758,7 @@
       </p:sp>
       <p:sp>
         <p:nvSpPr>
-          <p:cNvPr id="174" name="Google Shape;174;g1e3195089c4_0_22:notes"/>
+          <p:cNvPr id="175" name="Google Shape;175;g1e3195089c4_0_22:notes"/>
           <p:cNvSpPr txBox="1"/>
           <p:nvPr>
             <p:ph idx="1" type="body"/>
@@ -1808,7 +1808,7 @@
   <p:cSld>
     <p:spTree>
       <p:nvGrpSpPr>
-        <p:cNvPr id="180" name="Shape 180"/>
+        <p:cNvPr id="181" name="Shape 181"/>
         <p:cNvGrpSpPr/>
         <p:nvPr/>
       </p:nvGrpSpPr>
@@ -1822,7 +1822,7 @@
       </p:grpSpPr>
       <p:sp>
         <p:nvSpPr>
-          <p:cNvPr id="181" name="Google Shape;181;g1e3195089c4_5_24:notes"/>
+          <p:cNvPr id="182" name="Google Shape;182;g1e3195089c4_5_24:notes"/>
           <p:cNvSpPr/>
           <p:nvPr>
             <p:ph idx="2" type="sldImg"/>
@@ -1857,7 +1857,7 @@
       </p:sp>
       <p:sp>
         <p:nvSpPr>
-          <p:cNvPr id="182" name="Google Shape;182;g1e3195089c4_5_24:notes"/>
+          <p:cNvPr id="183" name="Google Shape;183;g1e3195089c4_5_24:notes"/>
           <p:cNvSpPr txBox="1"/>
           <p:nvPr>
             <p:ph idx="1" type="body"/>
@@ -1907,7 +1907,7 @@
   <p:cSld>
     <p:spTree>
       <p:nvGrpSpPr>
-        <p:cNvPr id="186" name="Shape 186"/>
+        <p:cNvPr id="187" name="Shape 187"/>
         <p:cNvGrpSpPr/>
         <p:nvPr/>
       </p:nvGrpSpPr>
@@ -1921,7 +1921,7 @@
       </p:grpSpPr>
       <p:sp>
         <p:nvSpPr>
-          <p:cNvPr id="187" name="Google Shape;187;g1e3195089c4_5_9:notes"/>
+          <p:cNvPr id="188" name="Google Shape;188;g1e3195089c4_5_9:notes"/>
           <p:cNvSpPr/>
           <p:nvPr>
             <p:ph idx="2" type="sldImg"/>
@@ -1956,7 +1956,7 @@
       </p:sp>
       <p:sp>
         <p:nvSpPr>
-          <p:cNvPr id="188" name="Google Shape;188;g1e3195089c4_5_9:notes"/>
+          <p:cNvPr id="189" name="Google Shape;189;g1e3195089c4_5_9:notes"/>
           <p:cNvSpPr txBox="1"/>
           <p:nvPr>
             <p:ph idx="1" type="body"/>
@@ -10520,7 +10520,7 @@
   <p:cSld>
     <p:spTree>
       <p:nvGrpSpPr>
-        <p:cNvPr id="195" name="Shape 195"/>
+        <p:cNvPr id="196" name="Shape 196"/>
         <p:cNvGrpSpPr/>
         <p:nvPr/>
       </p:nvGrpSpPr>
@@ -10534,7 +10534,7 @@
       </p:grpSpPr>
       <p:sp>
         <p:nvSpPr>
-          <p:cNvPr id="196" name="Google Shape;196;p22"/>
+          <p:cNvPr id="197" name="Google Shape;197;p22"/>
           <p:cNvSpPr txBox="1"/>
           <p:nvPr>
             <p:ph idx="1" type="body"/>
@@ -10583,7 +10583,7 @@
       </p:sp>
       <p:pic>
         <p:nvPicPr>
-          <p:cNvPr id="197" name="Google Shape;197;p22"/>
+          <p:cNvPr id="198" name="Google Shape;198;p22"/>
           <p:cNvPicPr preferRelativeResize="0"/>
           <p:nvPr/>
         </p:nvPicPr>
@@ -10611,7 +10611,7 @@
       </p:pic>
       <p:pic>
         <p:nvPicPr>
-          <p:cNvPr id="198" name="Google Shape;198;p22"/>
+          <p:cNvPr id="199" name="Google Shape;199;p22"/>
           <p:cNvPicPr preferRelativeResize="0"/>
           <p:nvPr/>
         </p:nvPicPr>
@@ -10639,7 +10639,7 @@
       </p:pic>
       <p:sp>
         <p:nvSpPr>
-          <p:cNvPr id="199" name="Google Shape;199;p22"/>
+          <p:cNvPr id="200" name="Google Shape;200;p22"/>
           <p:cNvSpPr txBox="1"/>
           <p:nvPr/>
         </p:nvSpPr>
@@ -10725,7 +10725,7 @@
   <p:cSld>
     <p:spTree>
       <p:nvGrpSpPr>
-        <p:cNvPr id="203" name="Shape 203"/>
+        <p:cNvPr id="204" name="Shape 204"/>
         <p:cNvGrpSpPr/>
         <p:nvPr/>
       </p:nvGrpSpPr>
@@ -10739,7 +10739,7 @@
       </p:grpSpPr>
       <p:sp>
         <p:nvSpPr>
-          <p:cNvPr id="204" name="Google Shape;204;p23"/>
+          <p:cNvPr id="205" name="Google Shape;205;p23"/>
           <p:cNvSpPr txBox="1"/>
           <p:nvPr>
             <p:ph type="title"/>
@@ -10779,7 +10779,7 @@
       </p:sp>
       <p:pic>
         <p:nvPicPr>
-          <p:cNvPr id="205" name="Google Shape;205;p23"/>
+          <p:cNvPr id="206" name="Google Shape;206;p23"/>
           <p:cNvPicPr preferRelativeResize="0"/>
           <p:nvPr/>
         </p:nvPicPr>
@@ -10818,7 +10818,7 @@
   <p:cSld>
     <p:spTree>
       <p:nvGrpSpPr>
-        <p:cNvPr id="209" name="Shape 209"/>
+        <p:cNvPr id="210" name="Shape 210"/>
         <p:cNvGrpSpPr/>
         <p:nvPr/>
       </p:nvGrpSpPr>
@@ -10832,7 +10832,7 @@
       </p:grpSpPr>
       <p:sp>
         <p:nvSpPr>
-          <p:cNvPr id="210" name="Google Shape;210;p24"/>
+          <p:cNvPr id="211" name="Google Shape;211;p24"/>
           <p:cNvSpPr txBox="1"/>
           <p:nvPr>
             <p:ph type="title"/>
@@ -10872,7 +10872,7 @@
       </p:sp>
       <p:sp>
         <p:nvSpPr>
-          <p:cNvPr id="211" name="Google Shape;211;p24"/>
+          <p:cNvPr id="212" name="Google Shape;212;p24"/>
           <p:cNvSpPr txBox="1"/>
           <p:nvPr>
             <p:ph idx="1" type="body"/>
@@ -10912,7 +10912,7 @@
       </p:sp>
       <p:pic>
         <p:nvPicPr>
-          <p:cNvPr id="212" name="Google Shape;212;p24"/>
+          <p:cNvPr id="213" name="Google Shape;213;p24"/>
           <p:cNvPicPr preferRelativeResize="0"/>
           <p:nvPr/>
         </p:nvPicPr>
@@ -10951,7 +10951,7 @@
   <p:cSld>
     <p:spTree>
       <p:nvGrpSpPr>
-        <p:cNvPr id="216" name="Shape 216"/>
+        <p:cNvPr id="217" name="Shape 217"/>
         <p:cNvGrpSpPr/>
         <p:nvPr/>
       </p:nvGrpSpPr>
@@ -10965,7 +10965,7 @@
       </p:grpSpPr>
       <p:sp>
         <p:nvSpPr>
-          <p:cNvPr id="217" name="Google Shape;217;p25"/>
+          <p:cNvPr id="218" name="Google Shape;218;p25"/>
           <p:cNvSpPr txBox="1"/>
           <p:nvPr>
             <p:ph idx="1" type="body"/>
@@ -11005,7 +11005,7 @@
       </p:sp>
       <p:pic>
         <p:nvPicPr>
-          <p:cNvPr id="218" name="Google Shape;218;p25"/>
+          <p:cNvPr id="219" name="Google Shape;219;p25"/>
           <p:cNvPicPr preferRelativeResize="0"/>
           <p:nvPr/>
         </p:nvPicPr>
@@ -11070,7 +11070,7 @@
                                           </p:stCondLst>
                                         </p:cTn>
                                         <p:tgtEl>
-                                          <p:spTgt spid="218"/>
+                                          <p:spTgt spid="219"/>
                                         </p:tgtEl>
                                         <p:attrNameLst>
                                           <p:attrName>style.visibility</p:attrName>
@@ -11084,7 +11084,7 @@
                                       <p:cBhvr>
                                         <p:cTn dur="1000"/>
                                         <p:tgtEl>
-                                          <p:spTgt spid="218"/>
+                                          <p:spTgt spid="219"/>
                                         </p:tgtEl>
                                       </p:cBhvr>
                                     </p:animEffect>
@@ -11656,8 +11656,36 @@
         </p:blipFill>
         <p:spPr>
           <a:xfrm>
-            <a:off x="1297500" y="1081650"/>
-            <a:ext cx="4700751" cy="4700751"/>
+            <a:off x="661750" y="698000"/>
+            <a:ext cx="4382676" cy="4382676"/>
+          </a:xfrm>
+          <a:prstGeom prst="rect">
+            <a:avLst/>
+          </a:prstGeom>
+          <a:noFill/>
+          <a:ln>
+            <a:noFill/>
+          </a:ln>
+        </p:spPr>
+      </p:pic>
+      <p:pic>
+        <p:nvPicPr>
+          <p:cNvPr id="159" name="Google Shape;159;p16"/>
+          <p:cNvPicPr preferRelativeResize="0"/>
+          <p:nvPr/>
+        </p:nvPicPr>
+        <p:blipFill>
+          <a:blip r:embed="rId4">
+            <a:alphaModFix/>
+          </a:blip>
+          <a:stretch>
+            <a:fillRect/>
+          </a:stretch>
+        </p:blipFill>
+        <p:spPr>
+          <a:xfrm>
+            <a:off x="5366400" y="1703442"/>
+            <a:ext cx="2936975" cy="2778633"/>
           </a:xfrm>
           <a:prstGeom prst="rect">
             <a:avLst/>
@@ -11681,7 +11709,7 @@
   <p:cSld>
     <p:spTree>
       <p:nvGrpSpPr>
-        <p:cNvPr id="162" name="Shape 162"/>
+        <p:cNvPr id="163" name="Shape 163"/>
         <p:cNvGrpSpPr/>
         <p:nvPr/>
       </p:nvGrpSpPr>
@@ -11695,7 +11723,7 @@
       </p:grpSpPr>
       <p:sp>
         <p:nvSpPr>
-          <p:cNvPr id="163" name="Google Shape;163;p17"/>
+          <p:cNvPr id="164" name="Google Shape;164;p17"/>
           <p:cNvSpPr txBox="1"/>
           <p:nvPr>
             <p:ph idx="1" type="body"/>
@@ -11747,7 +11775,7 @@
       </p:sp>
       <p:pic>
         <p:nvPicPr>
-          <p:cNvPr id="164" name="Google Shape;164;p17"/>
+          <p:cNvPr id="165" name="Google Shape;165;p17"/>
           <p:cNvPicPr preferRelativeResize="0"/>
           <p:nvPr/>
         </p:nvPicPr>
@@ -11793,7 +11821,7 @@
   <p:cSld>
     <p:spTree>
       <p:nvGrpSpPr>
-        <p:cNvPr id="168" name="Shape 168"/>
+        <p:cNvPr id="169" name="Shape 169"/>
         <p:cNvGrpSpPr/>
         <p:nvPr/>
       </p:nvGrpSpPr>
@@ -11807,7 +11835,7 @@
       </p:grpSpPr>
       <p:sp>
         <p:nvSpPr>
-          <p:cNvPr id="169" name="Google Shape;169;p18"/>
+          <p:cNvPr id="170" name="Google Shape;170;p18"/>
           <p:cNvSpPr txBox="1"/>
           <p:nvPr>
             <p:ph type="title"/>
@@ -11847,7 +11875,7 @@
       </p:sp>
       <p:sp>
         <p:nvSpPr>
-          <p:cNvPr id="170" name="Google Shape;170;p18"/>
+          <p:cNvPr id="171" name="Google Shape;171;p18"/>
           <p:cNvSpPr txBox="1"/>
           <p:nvPr>
             <p:ph idx="1" type="body"/>
@@ -12013,7 +12041,7 @@
       </p:sp>
       <p:pic>
         <p:nvPicPr>
-          <p:cNvPr id="171" name="Google Shape;171;p18"/>
+          <p:cNvPr id="172" name="Google Shape;172;p18"/>
           <p:cNvPicPr preferRelativeResize="0"/>
           <p:nvPr/>
         </p:nvPicPr>
@@ -12052,7 +12080,7 @@
   <p:cSld>
     <p:spTree>
       <p:nvGrpSpPr>
-        <p:cNvPr id="175" name="Shape 175"/>
+        <p:cNvPr id="176" name="Shape 176"/>
         <p:cNvGrpSpPr/>
         <p:nvPr/>
       </p:nvGrpSpPr>
@@ -12066,7 +12094,7 @@
       </p:grpSpPr>
       <p:sp>
         <p:nvSpPr>
-          <p:cNvPr id="176" name="Google Shape;176;p19"/>
+          <p:cNvPr id="177" name="Google Shape;177;p19"/>
           <p:cNvSpPr txBox="1"/>
           <p:nvPr>
             <p:ph idx="1" type="body"/>
@@ -12130,7 +12158,7 @@
       </p:sp>
       <p:pic>
         <p:nvPicPr>
-          <p:cNvPr id="177" name="Google Shape;177;p19"/>
+          <p:cNvPr id="178" name="Google Shape;178;p19"/>
           <p:cNvPicPr preferRelativeResize="0"/>
           <p:nvPr/>
         </p:nvPicPr>
@@ -12158,7 +12186,7 @@
       </p:pic>
       <p:pic>
         <p:nvPicPr>
-          <p:cNvPr id="178" name="Google Shape;178;p19"/>
+          <p:cNvPr id="179" name="Google Shape;179;p19"/>
           <p:cNvPicPr preferRelativeResize="0"/>
           <p:nvPr/>
         </p:nvPicPr>
@@ -12186,7 +12214,7 @@
       </p:pic>
       <p:pic>
         <p:nvPicPr>
-          <p:cNvPr id="179" name="Google Shape;179;p19"/>
+          <p:cNvPr id="180" name="Google Shape;180;p19"/>
           <p:cNvPicPr preferRelativeResize="0"/>
           <p:nvPr/>
         </p:nvPicPr>
@@ -12225,7 +12253,7 @@
   <p:cSld>
     <p:spTree>
       <p:nvGrpSpPr>
-        <p:cNvPr id="183" name="Shape 183"/>
+        <p:cNvPr id="184" name="Shape 184"/>
         <p:cNvGrpSpPr/>
         <p:nvPr/>
       </p:nvGrpSpPr>
@@ -12239,7 +12267,7 @@
       </p:grpSpPr>
       <p:sp>
         <p:nvSpPr>
-          <p:cNvPr id="184" name="Google Shape;184;p20"/>
+          <p:cNvPr id="185" name="Google Shape;185;p20"/>
           <p:cNvSpPr txBox="1"/>
           <p:nvPr>
             <p:ph idx="1" type="body"/>
@@ -12279,7 +12307,7 @@
       </p:sp>
       <p:pic>
         <p:nvPicPr>
-          <p:cNvPr id="185" name="Google Shape;185;p20"/>
+          <p:cNvPr id="186" name="Google Shape;186;p20"/>
           <p:cNvPicPr preferRelativeResize="0"/>
           <p:nvPr/>
         </p:nvPicPr>
@@ -12318,7 +12346,7 @@
   <p:cSld>
     <p:spTree>
       <p:nvGrpSpPr>
-        <p:cNvPr id="189" name="Shape 189"/>
+        <p:cNvPr id="190" name="Shape 190"/>
         <p:cNvGrpSpPr/>
         <p:nvPr/>
       </p:nvGrpSpPr>
@@ -12332,7 +12360,7 @@
       </p:grpSpPr>
       <p:sp>
         <p:nvSpPr>
-          <p:cNvPr id="190" name="Google Shape;190;p21"/>
+          <p:cNvPr id="191" name="Google Shape;191;p21"/>
           <p:cNvSpPr txBox="1"/>
           <p:nvPr>
             <p:ph idx="1" type="body"/>
@@ -12398,7 +12426,7 @@
       </p:sp>
       <p:pic>
         <p:nvPicPr>
-          <p:cNvPr id="191" name="Google Shape;191;p21"/>
+          <p:cNvPr id="192" name="Google Shape;192;p21"/>
           <p:cNvPicPr preferRelativeResize="0"/>
           <p:nvPr/>
         </p:nvPicPr>
